--- a/translations/en-us/beginner/ImportingBlocks.pptx
+++ b/translations/en-us/beginner/ImportingBlocks.pptx
@@ -202,7 +202,7 @@
           <a:p>
             <a:fld id="{2B8484CF-5098-F24E-8881-583515D5C406}" type="datetimeFigureOut">
               <a:rPr lang="en-US" smtClean="0"/>
-              <a:t>7/4/16</a:t>
+              <a:t>7/19/16</a:t>
             </a:fld>
             <a:endParaRPr lang="en-US"/>
           </a:p>
@@ -986,7 +986,7 @@
           <a:noFill/>
           <a:extLst>
             <a:ext uri="{909E8E84-426E-40dd-AFC4-6F175D3DCCD1}">
-              <a14:hiddenFill xmlns:a14="http://schemas.microsoft.com/office/drawing/2010/main" xmlns="">
+              <a14:hiddenFill xmlns="" xmlns:a14="http://schemas.microsoft.com/office/drawing/2010/main">
                 <a:solidFill>
                   <a:srgbClr val="FFFFFF"/>
                 </a:solidFill>
@@ -1202,7 +1202,7 @@
           <a:p>
             <a:fld id="{912F4DDE-387D-A24C-96D0-8735D077301E}" type="datetime1">
               <a:rPr lang="en-US" smtClean="0"/>
-              <a:t>7/4/16</a:t>
+              <a:t>7/19/16</a:t>
             </a:fld>
             <a:endParaRPr lang="en-US"/>
           </a:p>
@@ -1402,7 +1402,7 @@
           <a:p>
             <a:fld id="{F3C2C3AE-B556-F749-93DC-3986505DCFB9}" type="datetime1">
               <a:rPr lang="en-US" smtClean="0"/>
-              <a:t>7/4/16</a:t>
+              <a:t>7/19/16</a:t>
             </a:fld>
             <a:endParaRPr lang="en-US"/>
           </a:p>
@@ -1606,7 +1606,7 @@
           <a:p>
             <a:fld id="{DC96E04F-FA79-F749-8491-D6E84C9AAF19}" type="datetime1">
               <a:rPr lang="en-US" smtClean="0"/>
-              <a:t>7/4/16</a:t>
+              <a:t>7/19/16</a:t>
             </a:fld>
             <a:endParaRPr lang="en-US"/>
           </a:p>
@@ -1780,7 +1780,7 @@
           <a:p>
             <a:fld id="{79F790E3-6A4A-634D-B159-C16343BED3AE}" type="datetime1">
               <a:rPr lang="en-US" smtClean="0"/>
-              <a:t>7/4/16</a:t>
+              <a:t>7/19/16</a:t>
             </a:fld>
             <a:endParaRPr lang="en-US"/>
           </a:p>
@@ -2030,7 +2030,7 @@
           <a:p>
             <a:fld id="{105B25D9-46EC-A042-AE0A-E9C27A073619}" type="datetime1">
               <a:rPr lang="en-US" smtClean="0"/>
-              <a:t>7/4/16</a:t>
+              <a:t>7/19/16</a:t>
             </a:fld>
             <a:endParaRPr lang="en-US"/>
           </a:p>
@@ -2266,7 +2266,7 @@
           <a:p>
             <a:fld id="{C4D1D2CF-E010-1A4B-9C49-50C40473FFA7}" type="datetime1">
               <a:rPr lang="en-US" smtClean="0"/>
-              <a:t>7/4/16</a:t>
+              <a:t>7/19/16</a:t>
             </a:fld>
             <a:endParaRPr lang="en-US"/>
           </a:p>
@@ -2637,7 +2637,7 @@
           <a:p>
             <a:fld id="{E70A6D39-D488-5240-9DE1-B2F69541B869}" type="datetime1">
               <a:rPr lang="en-US" smtClean="0"/>
-              <a:t>7/4/16</a:t>
+              <a:t>7/19/16</a:t>
             </a:fld>
             <a:endParaRPr lang="en-US"/>
           </a:p>
@@ -2759,7 +2759,7 @@
           <a:p>
             <a:fld id="{101608BD-21E2-714B-AD9C-D5DFD03B5D12}" type="datetime1">
               <a:rPr lang="en-US" smtClean="0"/>
-              <a:t>7/4/16</a:t>
+              <a:t>7/19/16</a:t>
             </a:fld>
             <a:endParaRPr lang="en-US"/>
           </a:p>
@@ -2858,7 +2858,7 @@
           <a:p>
             <a:fld id="{F2EA09B6-0F8B-E941-ACE8-767373DCC80D}" type="datetime1">
               <a:rPr lang="en-US" smtClean="0"/>
-              <a:t>7/4/16</a:t>
+              <a:t>7/19/16</a:t>
             </a:fld>
             <a:endParaRPr lang="en-US"/>
           </a:p>
@@ -3139,7 +3139,7 @@
           <a:p>
             <a:fld id="{727AD312-B2C9-AF4A-BBDB-89CA888008EE}" type="datetime1">
               <a:rPr lang="en-US" smtClean="0"/>
-              <a:t>7/4/16</a:t>
+              <a:t>7/19/16</a:t>
             </a:fld>
             <a:endParaRPr lang="en-US"/>
           </a:p>
@@ -3331,7 +3331,7 @@
           <a:p>
             <a:fld id="{F7AFEA81-CE5C-8C4E-B582-58E91FFD6A05}" type="datetime1">
               <a:rPr lang="en-US" smtClean="0"/>
-              <a:t>7/4/16</a:t>
+              <a:t>7/19/16</a:t>
             </a:fld>
             <a:endParaRPr lang="en-US"/>
           </a:p>
@@ -3612,7 +3612,7 @@
           <a:p>
             <a:fld id="{58D77CBA-B9C5-A048-9394-3E59552C47EB}" type="datetime1">
               <a:rPr lang="en-US" smtClean="0"/>
-              <a:t>7/4/16</a:t>
+              <a:t>7/19/16</a:t>
             </a:fld>
             <a:endParaRPr lang="en-US"/>
           </a:p>
@@ -3786,7 +3786,7 @@
           <a:p>
             <a:fld id="{ABA9646A-965C-594D-B74F-04EBE1D1C75E}" type="datetime1">
               <a:rPr lang="en-US" smtClean="0"/>
-              <a:t>7/4/16</a:t>
+              <a:t>7/19/16</a:t>
             </a:fld>
             <a:endParaRPr lang="en-US"/>
           </a:p>
@@ -3970,7 +3970,7 @@
           <a:p>
             <a:fld id="{9B81300E-FD8F-F34D-8A24-CCC1B58A2C75}" type="datetime1">
               <a:rPr lang="en-US" smtClean="0"/>
-              <a:t>7/4/16</a:t>
+              <a:t>7/19/16</a:t>
             </a:fld>
             <a:endParaRPr lang="en-US"/>
           </a:p>
@@ -4236,7 +4236,7 @@
           <a:p>
             <a:fld id="{91E9E90F-C859-074C-9BEC-4A2486EF5601}" type="datetime1">
               <a:rPr lang="en-US" smtClean="0"/>
-              <a:t>7/4/16</a:t>
+              <a:t>7/19/16</a:t>
             </a:fld>
             <a:endParaRPr lang="en-US"/>
           </a:p>
@@ -4549,7 +4549,7 @@
           <a:p>
             <a:fld id="{854980A9-99FF-3042-8F48-4CF070E8454A}" type="datetime1">
               <a:rPr lang="en-US" smtClean="0"/>
-              <a:t>7/4/16</a:t>
+              <a:t>7/19/16</a:t>
             </a:fld>
             <a:endParaRPr lang="en-US"/>
           </a:p>
@@ -5020,7 +5020,7 @@
           <a:p>
             <a:fld id="{7A836B22-AA08-B346-8909-EA9229E6A11E}" type="datetime1">
               <a:rPr lang="en-US" smtClean="0"/>
-              <a:t>7/4/16</a:t>
+              <a:t>7/19/16</a:t>
             </a:fld>
             <a:endParaRPr lang="en-US"/>
           </a:p>
@@ -5165,7 +5165,7 @@
           <a:p>
             <a:fld id="{B3667120-EEDD-C54D-B060-7D18F98E85CF}" type="datetime1">
               <a:rPr lang="en-US" smtClean="0"/>
-              <a:t>7/4/16</a:t>
+              <a:t>7/19/16</a:t>
             </a:fld>
             <a:endParaRPr lang="en-US"/>
           </a:p>
@@ -5287,7 +5287,7 @@
           <a:p>
             <a:fld id="{B278728E-4711-C843-9D51-B6F0B396F238}" type="datetime1">
               <a:rPr lang="en-US" smtClean="0"/>
-              <a:t>7/4/16</a:t>
+              <a:t>7/19/16</a:t>
             </a:fld>
             <a:endParaRPr lang="en-US"/>
           </a:p>
@@ -5554,7 +5554,7 @@
           <a:p>
             <a:fld id="{9C5F54B8-B4DA-E541-B968-DDC5E31783FD}" type="datetime1">
               <a:rPr lang="en-US" smtClean="0"/>
-              <a:t>7/4/16</a:t>
+              <a:t>7/19/16</a:t>
             </a:fld>
             <a:endParaRPr lang="en-US"/>
           </a:p>
@@ -5873,7 +5873,7 @@
           <a:p>
             <a:fld id="{07BC2ED3-37DA-3C47-8BCB-8BC59059AF8A}" type="datetime1">
               <a:rPr lang="en-US" smtClean="0"/>
-              <a:t>7/4/16</a:t>
+              <a:t>7/19/16</a:t>
             </a:fld>
             <a:endParaRPr lang="en-US"/>
           </a:p>
@@ -6796,7 +6796,7 @@
           <a:p>
             <a:fld id="{1B6A257C-1A47-E74A-B2B1-EA36CFA5A35D}" type="datetime1">
               <a:rPr lang="en-US" smtClean="0"/>
-              <a:t>7/4/16</a:t>
+              <a:t>7/19/16</a:t>
             </a:fld>
             <a:endParaRPr lang="en-US"/>
           </a:p>
@@ -7253,6 +7253,35 @@
           </a:p>
         </p:txBody>
       </p:sp>
+      <p:pic>
+        <p:nvPicPr>
+          <p:cNvPr id="4" name="Picture 3"/>
+          <p:cNvPicPr>
+            <a:picLocks noChangeAspect="1"/>
+          </p:cNvPicPr>
+          <p:nvPr/>
+        </p:nvPicPr>
+        <p:blipFill rotWithShape="1">
+          <a:blip r:embed="rId3">
+            <a:extLst>
+              <a:ext uri="{28A0092B-C50C-407E-A947-70E740481C1C}">
+                <a14:useLocalDpi xmlns:a14="http://schemas.microsoft.com/office/drawing/2010/main" val="0"/>
+              </a:ext>
+            </a:extLst>
+          </a:blip>
+          <a:srcRect l="4523" t="17619" r="3095" b="25000"/>
+          <a:stretch/>
+        </p:blipFill>
+        <p:spPr>
+          <a:xfrm>
+            <a:off x="3711108" y="4592409"/>
+            <a:ext cx="1700816" cy="1056435"/>
+          </a:xfrm>
+          <a:prstGeom prst="rect">
+            <a:avLst/>
+          </a:prstGeom>
+        </p:spPr>
+      </p:pic>
     </p:spTree>
     <p:extLst>
       <p:ext uri="{BB962C8B-B14F-4D97-AF65-F5344CB8AC3E}">
@@ -7334,11 +7363,7 @@
             </a:pPr>
             <a:r>
               <a:rPr lang="en-US" dirty="0" smtClean="0"/>
-              <a:t>If you installed the Home Edition of the EV3 </a:t>
-            </a:r>
-            <a:r>
-              <a:rPr lang="en-US" dirty="0" smtClean="0"/>
-              <a:t>Software, you might want to add the Gyro and Ultrasonic Sensor Blocks later on</a:t>
+              <a:t>If you installed the Home Edition of the EV3 Software, you might want to add the Gyro and Ultrasonic Sensor Blocks later on</a:t>
             </a:r>
           </a:p>
           <a:p>
@@ -7360,7 +7385,6 @@
               <a:rPr lang="en-US" dirty="0" smtClean="0"/>
               <a:t>These blocks are free to download from LEGO</a:t>
             </a:r>
-            <a:endParaRPr lang="en-US" dirty="0" smtClean="0"/>
           </a:p>
         </p:txBody>
       </p:sp>
@@ -7502,13 +7526,7 @@
               <a:rPr lang="en-US" sz="1600" dirty="0" smtClean="0">
                 <a:sym typeface="Wingdings"/>
               </a:rPr>
-              <a:t>Download the necessary block online </a:t>
-            </a:r>
-            <a:r>
-              <a:rPr lang="en-US" sz="1600" dirty="0" smtClean="0">
-                <a:sym typeface="Wingdings"/>
-              </a:rPr>
-              <a:t>from:</a:t>
+              <a:t>Download the necessary block online from:</a:t>
             </a:r>
           </a:p>
           <a:p>
@@ -7542,7 +7560,6 @@
               <a:rPr lang="en-US" sz="1600" dirty="0"/>
               <a:t>/downloads</a:t>
             </a:r>
-            <a:endParaRPr lang="en-US" sz="1600" dirty="0"/>
           </a:p>
         </p:txBody>
       </p:sp>
@@ -8012,7 +8029,7 @@
           <a:effectLst/>
           <a:extLst>
             <a:ext uri="{91240B29-F687-4f45-9708-019B960494DF}">
-              <a14:hiddenLine xmlns="" xmlns:a14="http://schemas.microsoft.com/office/drawing/2010/main" w="9525">
+              <a14:hiddenLine xmlns:a14="http://schemas.microsoft.com/office/drawing/2010/main" xmlns="" w="9525">
                 <a:solidFill>
                   <a:schemeClr val="tx1"/>
                 </a:solidFill>
@@ -8022,7 +8039,7 @@
               </a14:hiddenLine>
             </a:ext>
             <a:ext uri="{AF507438-7753-43e0-B8FC-AC1667EBCBE1}">
-              <a14:hiddenEffects xmlns="" xmlns:a14="http://schemas.microsoft.com/office/drawing/2010/main">
+              <a14:hiddenEffects xmlns:a14="http://schemas.microsoft.com/office/drawing/2010/main" xmlns="">
                 <a:effectLst>
                   <a:outerShdw dist="35921" dir="2700000" algn="ctr" rotWithShape="0">
                     <a:schemeClr val="bg2"/>
@@ -8375,7 +8392,7 @@
           <a:noFill/>
           <a:extLst>
             <a:ext uri="{909E8E84-426E-40dd-AFC4-6F175D3DCCD1}">
-              <a14:hiddenFill xmlns="" xmlns:a14="http://schemas.microsoft.com/office/drawing/2010/main">
+              <a14:hiddenFill xmlns:a14="http://schemas.microsoft.com/office/drawing/2010/main" xmlns="">
                 <a:solidFill>
                   <a:srgbClr val="FFFFFF"/>
                 </a:solidFill>
